--- a/Docs/TAIIB_wymagania_Kobryn_Wozniak_Kolodziejczyk.pptx
+++ b/Docs/TAIIB_wymagania_Kobryn_Wozniak_Kolodziejczyk.pptx
@@ -264,6 +264,11 @@
       </a:defRPr>
     </a:lvl9pPr>
   </p:defaultTextStyle>
+  <p:extLst>
+    <p:ext uri="{EFAFB233-063F-42B5-8137-9DF3F51BA10A}">
+      <p15:sldGuideLst xmlns:p15="http://schemas.microsoft.com/office/powerpoint/2012/main"/>
+    </p:ext>
+  </p:extLst>
 </p:presentation>
 </file>
 
@@ -13123,30 +13128,32 @@
       </p:sp>
       <p:pic>
         <p:nvPicPr>
-          <p:cNvPr id="149" name="Google Shape;149;p22"/>
-          <p:cNvPicPr preferRelativeResize="0"/>
+          <p:cNvPr id="3" name="Obraz 2" descr="Obraz zawierający tekst, zrzut ekranu, diagram, design&#10;&#10;Opis wygenerowany automatycznie">
+            <a:extLst>
+              <a:ext uri="{FF2B5EF4-FFF2-40B4-BE49-F238E27FC236}">
+                <a16:creationId xmlns:a16="http://schemas.microsoft.com/office/drawing/2014/main" id="{09F9DD9A-CB2D-1C54-5850-C23CF620399A}"/>
+              </a:ext>
+            </a:extLst>
+          </p:cNvPr>
+          <p:cNvPicPr>
+            <a:picLocks noChangeAspect="1"/>
+          </p:cNvPicPr>
           <p:nvPr/>
         </p:nvPicPr>
         <p:blipFill>
-          <a:blip r:embed="rId3">
-            <a:alphaModFix/>
-          </a:blip>
+          <a:blip r:embed="rId3"/>
           <a:stretch>
             <a:fillRect/>
           </a:stretch>
         </p:blipFill>
         <p:spPr>
           <a:xfrm>
-            <a:off x="1157584" y="862750"/>
-            <a:ext cx="9864159" cy="5758370"/>
+            <a:off x="896368" y="760080"/>
+            <a:ext cx="10399264" cy="6070746"/>
           </a:xfrm>
           <a:prstGeom prst="rect">
             <a:avLst/>
           </a:prstGeom>
-          <a:noFill/>
-          <a:ln>
-            <a:noFill/>
-          </a:ln>
         </p:spPr>
       </p:pic>
     </p:spTree>
